--- a/slides/video-slides.pptx
+++ b/slides/video-slides.pptx
@@ -5,18 +5,23 @@
     <p:sldMasterId id="2147483648" r:id="rId1"/>
   </p:sldMasterIdLst>
   <p:notesMasterIdLst>
-    <p:notesMasterId r:id="rId11"/>
+    <p:notesMasterId r:id="rId16"/>
   </p:notesMasterIdLst>
   <p:sldIdLst>
     <p:sldId id="541" r:id="rId2"/>
     <p:sldId id="542" r:id="rId3"/>
     <p:sldId id="543" r:id="rId4"/>
-    <p:sldId id="544" r:id="rId5"/>
-    <p:sldId id="545" r:id="rId6"/>
-    <p:sldId id="546" r:id="rId7"/>
-    <p:sldId id="547" r:id="rId8"/>
-    <p:sldId id="548" r:id="rId9"/>
-    <p:sldId id="549" r:id="rId10"/>
+    <p:sldId id="553" r:id="rId5"/>
+    <p:sldId id="554" r:id="rId6"/>
+    <p:sldId id="544" r:id="rId7"/>
+    <p:sldId id="545" r:id="rId8"/>
+    <p:sldId id="550" r:id="rId9"/>
+    <p:sldId id="546" r:id="rId10"/>
+    <p:sldId id="547" r:id="rId11"/>
+    <p:sldId id="548" r:id="rId12"/>
+    <p:sldId id="551" r:id="rId13"/>
+    <p:sldId id="552" r:id="rId14"/>
+    <p:sldId id="549" r:id="rId15"/>
   </p:sldIdLst>
   <p:sldSz cx="12192000" cy="6858000"/>
   <p:notesSz cx="6858000" cy="9144000"/>
@@ -219,7 +224,7 @@
           <a:p>
             <a:fld id="{2A3C0F43-ED88-9B48-836B-6DEC6337B5C6}" type="datetimeFigureOut">
               <a:rPr lang="en-US" smtClean="0"/>
-              <a:t>6/25/2018</a:t>
+              <a:t>7/3/18</a:t>
             </a:fld>
             <a:endParaRPr lang="en-US"/>
           </a:p>
@@ -2360,10 +2365,9 @@
           <a:lstStyle/>
           <a:p>
             <a:r>
-              <a:rPr lang="en-US" sz="4400" dirty="0" smtClean="0"/>
+              <a:rPr lang="en-US" sz="4400" dirty="0"/>
               <a:t>A Fully Integrated Multi-Platform NFV SDK</a:t>
             </a:r>
-            <a:endParaRPr lang="en-US" sz="4400" dirty="0"/>
           </a:p>
         </p:txBody>
       </p:sp>
@@ -2390,35 +2394,34 @@
           <a:lstStyle/>
           <a:p>
             <a:r>
-              <a:rPr lang="en-US" sz="2200" dirty="0" smtClean="0"/>
+              <a:rPr lang="en-US" sz="2200" dirty="0"/>
               <a:t>Stefan Schneider, Manuel </a:t>
             </a:r>
             <a:r>
-              <a:rPr lang="en-US" sz="2200" dirty="0" err="1" smtClean="0"/>
+              <a:rPr lang="en-US" sz="2200" dirty="0" err="1"/>
               <a:t>Peuster</a:t>
             </a:r>
             <a:r>
-              <a:rPr lang="en-US" sz="2200" dirty="0" smtClean="0"/>
+              <a:rPr lang="en-US" sz="2200" dirty="0"/>
               <a:t>, Holger Karl (Paderborn University), </a:t>
             </a:r>
             <a:br>
-              <a:rPr lang="en-US" sz="2200" dirty="0" smtClean="0"/>
+              <a:rPr lang="en-US" sz="2200" dirty="0"/>
             </a:br>
             <a:r>
-              <a:rPr lang="en-US" sz="2200" dirty="0" err="1" smtClean="0"/>
+              <a:rPr lang="en-US" sz="2200" dirty="0" err="1"/>
               <a:t>Wouter</a:t>
             </a:r>
             <a:r>
-              <a:rPr lang="en-US" sz="2200" dirty="0" smtClean="0"/>
+              <a:rPr lang="en-US" sz="2200" dirty="0"/>
               <a:t> Tavernier (IMEC)</a:t>
             </a:r>
           </a:p>
           <a:p>
             <a:r>
-              <a:rPr lang="en-US" sz="2200" dirty="0" smtClean="0"/>
+              <a:rPr lang="en-US" sz="2200" dirty="0"/>
               <a:t>stefan.schneider@upb.de</a:t>
             </a:r>
-            <a:endParaRPr lang="en-US" sz="2200" dirty="0"/>
           </a:p>
         </p:txBody>
       </p:sp>
@@ -2432,17 +2435,10 @@
   <p:clrMapOvr>
     <a:masterClrMapping/>
   </p:clrMapOvr>
-  <p:timing>
-    <p:tnLst>
-      <p:par>
-        <p:cTn id="1" dur="indefinite" restart="never" nodeType="tmRoot"/>
-      </p:par>
-    </p:tnLst>
-  </p:timing>
 </p:sld>
 </file>
 
-<file path=ppt/slides/slide2.xml><?xml version="1.0" encoding="utf-8"?>
+<file path=ppt/slides/slide10.xml><?xml version="1.0" encoding="utf-8"?>
 <p:sld xmlns:a="http://schemas.openxmlformats.org/drawingml/2006/main" xmlns:r="http://schemas.openxmlformats.org/officeDocument/2006/relationships" xmlns:p="http://schemas.openxmlformats.org/presentationml/2006/main">
   <p:cSld>
     <p:spTree>
@@ -2461,222 +2457,109 @@
       </p:grpSpPr>
       <p:sp>
         <p:nvSpPr>
-          <p:cNvPr id="2" name="Content Placeholder 1"/>
-          <p:cNvSpPr>
-            <a:spLocks noGrp="1"/>
-          </p:cNvSpPr>
-          <p:nvPr>
-            <p:ph idx="1"/>
+          <p:cNvPr id="2" name="Title 1"/>
+          <p:cNvSpPr>
+            <a:spLocks noGrp="1"/>
+          </p:cNvSpPr>
+          <p:nvPr>
+            <p:ph type="ctrTitle"/>
           </p:nvPr>
         </p:nvSpPr>
         <p:spPr/>
+        <p:txBody>
+          <a:bodyPr>
+            <a:noAutofit/>
+          </a:bodyPr>
+          <a:lstStyle/>
+          <a:p>
+            <a:r>
+              <a:rPr lang="en-US" sz="4400" dirty="0"/>
+              <a:t>Step 5: On-boarding &amp; unpackaging</a:t>
+            </a:r>
+          </a:p>
+        </p:txBody>
+      </p:sp>
+      <p:sp>
+        <p:nvSpPr>
+          <p:cNvPr id="3" name="Subtitle 2"/>
+          <p:cNvSpPr>
+            <a:spLocks noGrp="1"/>
+          </p:cNvSpPr>
+          <p:nvPr>
+            <p:ph type="subTitle" idx="1"/>
+          </p:nvPr>
+        </p:nvSpPr>
+        <p:spPr>
+          <a:xfrm>
+            <a:off x="385313" y="5687427"/>
+            <a:ext cx="9319126" cy="618481"/>
+          </a:xfrm>
+        </p:spPr>
         <p:txBody>
           <a:bodyPr>
             <a:normAutofit/>
           </a:bodyPr>
           <a:lstStyle/>
           <a:p>
-            <a:pPr>
-              <a:lnSpc>
-                <a:spcPct val="125000"/>
-              </a:lnSpc>
-            </a:pPr>
-            <a:r>
-              <a:rPr lang="en-US" dirty="0" smtClean="0"/>
-              <a:t>Graphical descriptor generation: NSD and VNFDs in </a:t>
-            </a:r>
-            <a:r>
-              <a:rPr lang="en-US" dirty="0" smtClean="0">
-                <a:solidFill>
-                  <a:srgbClr val="FF0000"/>
-                </a:solidFill>
-              </a:rPr>
-              <a:t>multiple flavors</a:t>
-            </a:r>
-          </a:p>
-          <a:p>
-            <a:pPr>
-              <a:lnSpc>
-                <a:spcPct val="125000"/>
-              </a:lnSpc>
-            </a:pPr>
-            <a:r>
-              <a:rPr lang="en-US" dirty="0" smtClean="0"/>
-              <a:t>Organization of NFV service projects with </a:t>
-            </a:r>
-            <a:r>
-              <a:rPr lang="en-US" dirty="0" smtClean="0">
-                <a:solidFill>
-                  <a:srgbClr val="FF0000"/>
-                </a:solidFill>
-              </a:rPr>
-              <a:t>simple CLI</a:t>
-            </a:r>
-          </a:p>
-          <a:p>
-            <a:pPr>
-              <a:lnSpc>
-                <a:spcPct val="125000"/>
-              </a:lnSpc>
-            </a:pPr>
-            <a:r>
-              <a:rPr lang="en-US" dirty="0" smtClean="0"/>
-              <a:t>Packaging in </a:t>
-            </a:r>
-            <a:r>
-              <a:rPr lang="en-US" dirty="0" smtClean="0">
-                <a:solidFill>
-                  <a:srgbClr val="FF0000"/>
-                </a:solidFill>
-              </a:rPr>
-              <a:t>ETSI-compatible package format </a:t>
-            </a:r>
-            <a:r>
-              <a:rPr lang="en-US" dirty="0" smtClean="0"/>
-              <a:t>with multi-platform support through </a:t>
-            </a:r>
-            <a:r>
-              <a:rPr lang="en-US" dirty="0" smtClean="0">
-                <a:solidFill>
-                  <a:srgbClr val="FF0000"/>
-                </a:solidFill>
-              </a:rPr>
-              <a:t>novel layering concept</a:t>
-            </a:r>
-          </a:p>
-          <a:p>
-            <a:pPr>
-              <a:lnSpc>
-                <a:spcPct val="125000"/>
-              </a:lnSpc>
-            </a:pPr>
-            <a:r>
-              <a:rPr lang="en-US" dirty="0" smtClean="0"/>
-              <a:t>On-boarding, </a:t>
-            </a:r>
-            <a:r>
-              <a:rPr lang="en-US" dirty="0" err="1" smtClean="0"/>
-              <a:t>unpackaging</a:t>
-            </a:r>
-            <a:r>
-              <a:rPr lang="en-US" dirty="0" smtClean="0"/>
-              <a:t>, and deployment</a:t>
-            </a:r>
-          </a:p>
-          <a:p>
-            <a:pPr>
-              <a:lnSpc>
-                <a:spcPct val="125000"/>
-              </a:lnSpc>
-            </a:pPr>
-            <a:r>
-              <a:rPr lang="en-US" dirty="0" smtClean="0">
-                <a:solidFill>
-                  <a:srgbClr val="FF0000"/>
-                </a:solidFill>
-              </a:rPr>
-              <a:t>Live interaction </a:t>
-            </a:r>
-            <a:r>
-              <a:rPr lang="en-US" dirty="0" smtClean="0"/>
-              <a:t>with running service</a:t>
-            </a:r>
-          </a:p>
-          <a:p>
-            <a:pPr marL="457200" lvl="1" indent="0">
-              <a:lnSpc>
-                <a:spcPct val="125000"/>
-              </a:lnSpc>
-              <a:buNone/>
-            </a:pPr>
-            <a:endParaRPr lang="en-US" dirty="0"/>
-          </a:p>
-          <a:p>
-            <a:pPr>
-              <a:lnSpc>
-                <a:spcPct val="125000"/>
-              </a:lnSpc>
-            </a:pPr>
-            <a:r>
-              <a:rPr lang="en-US" dirty="0" smtClean="0">
-                <a:solidFill>
-                  <a:srgbClr val="FF0000"/>
-                </a:solidFill>
-              </a:rPr>
-              <a:t>Demo network service</a:t>
-            </a:r>
-            <a:r>
-              <a:rPr lang="en-US" dirty="0" smtClean="0"/>
-              <a:t>: Proxy </a:t>
-            </a:r>
-            <a:r>
-              <a:rPr lang="en-US" dirty="0" smtClean="0">
-                <a:sym typeface="Wingdings" panose="05000000000000000000" pitchFamily="2" charset="2"/>
-              </a:rPr>
-              <a:t></a:t>
-            </a:r>
-            <a:r>
-              <a:rPr lang="en-US" dirty="0" smtClean="0"/>
-              <a:t> layer-4 forwarder </a:t>
-            </a:r>
-            <a:r>
-              <a:rPr lang="en-US" dirty="0" smtClean="0">
-                <a:sym typeface="Wingdings" panose="05000000000000000000" pitchFamily="2" charset="2"/>
-              </a:rPr>
-              <a:t></a:t>
-            </a:r>
-            <a:r>
-              <a:rPr lang="en-US" dirty="0" smtClean="0"/>
-              <a:t> content server</a:t>
-            </a:r>
-            <a:endParaRPr lang="en-US" dirty="0"/>
-          </a:p>
-        </p:txBody>
-      </p:sp>
-      <p:sp>
-        <p:nvSpPr>
-          <p:cNvPr id="3" name="Title 2"/>
-          <p:cNvSpPr>
-            <a:spLocks noGrp="1"/>
-          </p:cNvSpPr>
-          <p:nvPr>
-            <p:ph type="title"/>
-          </p:nvPr>
-        </p:nvSpPr>
-        <p:spPr/>
-        <p:txBody>
-          <a:bodyPr/>
-          <a:lstStyle/>
-          <a:p>
-            <a:r>
-              <a:rPr lang="en-US" dirty="0" smtClean="0"/>
-              <a:t>Highlights</a:t>
-            </a:r>
-            <a:endParaRPr lang="en-US" dirty="0"/>
-          </a:p>
-        </p:txBody>
-      </p:sp>
+            <a:r>
+              <a:rPr lang="en-US" dirty="0"/>
+              <a:t>On-board package to OSM using </a:t>
+            </a:r>
+            <a:r>
+              <a:rPr lang="en-US" dirty="0" err="1"/>
+              <a:t>tng-pkg</a:t>
+            </a:r>
+            <a:r>
+              <a:rPr lang="en-US" dirty="0"/>
+              <a:t> service instance </a:t>
+            </a:r>
+          </a:p>
+        </p:txBody>
+      </p:sp>
+      <p:pic>
+        <p:nvPicPr>
+          <p:cNvPr id="4" name="Picture 3">
+            <a:extLst>
+              <a:ext uri="{FF2B5EF4-FFF2-40B4-BE49-F238E27FC236}">
+                <a16:creationId xmlns:a16="http://schemas.microsoft.com/office/drawing/2014/main" id="{8F44E256-300B-F943-B9FB-594CF24AEE1D}"/>
+              </a:ext>
+            </a:extLst>
+          </p:cNvPr>
+          <p:cNvPicPr>
+            <a:picLocks noChangeAspect="1"/>
+          </p:cNvPicPr>
+          <p:nvPr/>
+        </p:nvPicPr>
+        <p:blipFill>
+          <a:blip r:embed="rId2"/>
+          <a:stretch>
+            <a:fillRect/>
+          </a:stretch>
+        </p:blipFill>
+        <p:spPr>
+          <a:xfrm>
+            <a:off x="7577858" y="2938318"/>
+            <a:ext cx="4115377" cy="1425438"/>
+          </a:xfrm>
+          <a:prstGeom prst="rect">
+            <a:avLst/>
+          </a:prstGeom>
+        </p:spPr>
+      </p:pic>
     </p:spTree>
     <p:extLst>
       <p:ext uri="{BB962C8B-B14F-4D97-AF65-F5344CB8AC3E}">
-        <p14:creationId xmlns:p14="http://schemas.microsoft.com/office/powerpoint/2010/main" val="306174002"/>
+        <p14:creationId xmlns:p14="http://schemas.microsoft.com/office/powerpoint/2010/main" val="1803922355"/>
       </p:ext>
     </p:extLst>
   </p:cSld>
   <p:clrMapOvr>
     <a:masterClrMapping/>
   </p:clrMapOvr>
-  <p:timing>
-    <p:tnLst>
-      <p:par>
-        <p:cTn id="1" dur="indefinite" restart="never" nodeType="tmRoot"/>
-      </p:par>
-    </p:tnLst>
-  </p:timing>
 </p:sld>
 </file>
 
-<file path=ppt/slides/slide3.xml><?xml version="1.0" encoding="utf-8"?>
+<file path=ppt/slides/slide11.xml><?xml version="1.0" encoding="utf-8"?>
 <p:sld xmlns:a="http://schemas.openxmlformats.org/drawingml/2006/main" xmlns:r="http://schemas.openxmlformats.org/officeDocument/2006/relationships" xmlns:p="http://schemas.openxmlformats.org/presentationml/2006/main">
   <p:cSld>
     <p:spTree>
@@ -2693,79 +2576,96 @@
           <a:chExt cx="0" cy="0"/>
         </a:xfrm>
       </p:grpSpPr>
+      <p:sp>
+        <p:nvSpPr>
+          <p:cNvPr id="2" name="Title 1"/>
+          <p:cNvSpPr>
+            <a:spLocks noGrp="1"/>
+          </p:cNvSpPr>
+          <p:nvPr>
+            <p:ph type="ctrTitle"/>
+          </p:nvPr>
+        </p:nvSpPr>
+        <p:spPr/>
+        <p:txBody>
+          <a:bodyPr>
+            <a:noAutofit/>
+          </a:bodyPr>
+          <a:lstStyle/>
+          <a:p>
+            <a:r>
+              <a:rPr lang="en-US" sz="4400" dirty="0"/>
+              <a:t>Step 6: Instantiation</a:t>
+            </a:r>
+          </a:p>
+        </p:txBody>
+      </p:sp>
+      <p:sp>
+        <p:nvSpPr>
+          <p:cNvPr id="3" name="Subtitle 2"/>
+          <p:cNvSpPr>
+            <a:spLocks noGrp="1"/>
+          </p:cNvSpPr>
+          <p:nvPr>
+            <p:ph type="subTitle" idx="1"/>
+          </p:nvPr>
+        </p:nvSpPr>
+        <p:spPr/>
+        <p:txBody>
+          <a:bodyPr/>
+          <a:lstStyle/>
+          <a:p>
+            <a:r>
+              <a:rPr lang="en-US" dirty="0"/>
+              <a:t>Instantiate demo service with three VNFs on vim-emu</a:t>
+            </a:r>
+          </a:p>
+        </p:txBody>
+      </p:sp>
       <p:pic>
         <p:nvPicPr>
-          <p:cNvPr id="4" name="Content Placeholder 3"/>
+          <p:cNvPr id="4" name="Picture 3">
+            <a:extLst>
+              <a:ext uri="{FF2B5EF4-FFF2-40B4-BE49-F238E27FC236}">
+                <a16:creationId xmlns:a16="http://schemas.microsoft.com/office/drawing/2014/main" id="{FA6D3ED0-3CD4-DA4C-BD52-3B0D55F911CE}"/>
+              </a:ext>
+            </a:extLst>
+          </p:cNvPr>
           <p:cNvPicPr>
-            <a:picLocks noGrp="1" noChangeAspect="1"/>
+            <a:picLocks noChangeAspect="1"/>
           </p:cNvPicPr>
-          <p:nvPr>
-            <p:ph idx="1"/>
-          </p:nvPr>
+          <p:nvPr/>
         </p:nvPicPr>
         <p:blipFill>
-          <a:blip r:embed="rId2">
-            <a:extLst>
-              <a:ext uri="{28A0092B-C50C-407E-A947-70E740481C1C}">
-                <a14:useLocalDpi xmlns:a14="http://schemas.microsoft.com/office/drawing/2010/main" val="0"/>
-              </a:ext>
-            </a:extLst>
-          </a:blip>
+          <a:blip r:embed="rId2"/>
           <a:stretch>
             <a:fillRect/>
           </a:stretch>
         </p:blipFill>
         <p:spPr>
           <a:xfrm>
-            <a:off x="198016" y="2346174"/>
-            <a:ext cx="11795968" cy="2423318"/>
-          </a:xfrm>
+            <a:off x="7577858" y="2938318"/>
+            <a:ext cx="4115377" cy="1425438"/>
+          </a:xfrm>
+          <a:prstGeom prst="rect">
+            <a:avLst/>
+          </a:prstGeom>
         </p:spPr>
       </p:pic>
-      <p:sp>
-        <p:nvSpPr>
-          <p:cNvPr id="3" name="Title 2"/>
-          <p:cNvSpPr>
-            <a:spLocks noGrp="1"/>
-          </p:cNvSpPr>
-          <p:nvPr>
-            <p:ph type="title"/>
-          </p:nvPr>
-        </p:nvSpPr>
-        <p:spPr/>
-        <p:txBody>
-          <a:bodyPr/>
-          <a:lstStyle/>
-          <a:p>
-            <a:r>
-              <a:rPr lang="en-US" dirty="0" smtClean="0"/>
-              <a:t>End-to-end workflow</a:t>
-            </a:r>
-            <a:endParaRPr lang="en-US" dirty="0"/>
-          </a:p>
-        </p:txBody>
-      </p:sp>
     </p:spTree>
     <p:extLst>
       <p:ext uri="{BB962C8B-B14F-4D97-AF65-F5344CB8AC3E}">
-        <p14:creationId xmlns:p14="http://schemas.microsoft.com/office/powerpoint/2010/main" val="3091487119"/>
+        <p14:creationId xmlns:p14="http://schemas.microsoft.com/office/powerpoint/2010/main" val="3957007337"/>
       </p:ext>
     </p:extLst>
   </p:cSld>
   <p:clrMapOvr>
     <a:masterClrMapping/>
   </p:clrMapOvr>
-  <p:timing>
-    <p:tnLst>
-      <p:par>
-        <p:cTn id="1" dur="indefinite" restart="never" nodeType="tmRoot"/>
-      </p:par>
-    </p:tnLst>
-  </p:timing>
 </p:sld>
 </file>
 
-<file path=ppt/slides/slide4.xml><?xml version="1.0" encoding="utf-8"?>
+<file path=ppt/slides/slide12.xml><?xml version="1.0" encoding="utf-8"?>
 <p:sld xmlns:a="http://schemas.openxmlformats.org/drawingml/2006/main" xmlns:r="http://schemas.openxmlformats.org/officeDocument/2006/relationships" xmlns:p="http://schemas.openxmlformats.org/presentationml/2006/main">
   <p:cSld>
     <p:spTree>
@@ -2800,10 +2700,9 @@
           <a:lstStyle/>
           <a:p>
             <a:r>
-              <a:rPr lang="en-US" sz="4000" dirty="0" smtClean="0"/>
-              <a:t>Step 1: Graphical descriptor generation</a:t>
-            </a:r>
-            <a:endParaRPr lang="en-US" sz="4000" dirty="0"/>
+              <a:rPr lang="en-US" sz="4400" dirty="0"/>
+              <a:t>Step 7: Live interaction with service</a:t>
+            </a:r>
           </a:p>
         </p:txBody>
       </p:sp>
@@ -2823,17 +2722,16 @@
           <a:lstStyle/>
           <a:p>
             <a:r>
-              <a:rPr lang="en-US" dirty="0" smtClean="0"/>
-              <a:t>Generating NSD and VNFDs in different flavors</a:t>
-            </a:r>
-            <a:endParaRPr lang="en-US" dirty="0"/>
+              <a:rPr lang="en-US" dirty="0"/>
+              <a:t>Access instantiated service and stream a video</a:t>
+            </a:r>
           </a:p>
         </p:txBody>
       </p:sp>
     </p:spTree>
     <p:extLst>
       <p:ext uri="{BB962C8B-B14F-4D97-AF65-F5344CB8AC3E}">
-        <p14:creationId xmlns:p14="http://schemas.microsoft.com/office/powerpoint/2010/main" val="2390510324"/>
+        <p14:creationId xmlns:p14="http://schemas.microsoft.com/office/powerpoint/2010/main" val="470935521"/>
       </p:ext>
     </p:extLst>
   </p:cSld>
@@ -2843,7 +2741,7 @@
 </p:sld>
 </file>
 
-<file path=ppt/slides/slide5.xml><?xml version="1.0" encoding="utf-8"?>
+<file path=ppt/slides/slide13.xml><?xml version="1.0" encoding="utf-8"?>
 <p:sld xmlns:a="http://schemas.openxmlformats.org/drawingml/2006/main" xmlns:r="http://schemas.openxmlformats.org/officeDocument/2006/relationships" xmlns:p="http://schemas.openxmlformats.org/presentationml/2006/main">
   <p:cSld>
     <p:spTree>
@@ -2873,15 +2771,14 @@
         <p:spPr/>
         <p:txBody>
           <a:bodyPr>
-            <a:normAutofit/>
+            <a:noAutofit/>
           </a:bodyPr>
           <a:lstStyle/>
           <a:p>
             <a:r>
-              <a:rPr lang="en-US" dirty="0" smtClean="0"/>
-              <a:t>Step 2: Project organization</a:t>
-            </a:r>
-            <a:endParaRPr lang="en-US" dirty="0"/>
+              <a:rPr lang="en-US" sz="4400" dirty="0"/>
+              <a:t>Step 8: Service termination</a:t>
+            </a:r>
           </a:p>
         </p:txBody>
       </p:sp>
@@ -2901,17 +2798,16 @@
           <a:lstStyle/>
           <a:p>
             <a:r>
-              <a:rPr lang="en-US" dirty="0" smtClean="0"/>
-              <a:t>Adding further artifacts</a:t>
-            </a:r>
-            <a:endParaRPr lang="en-US" dirty="0"/>
+              <a:rPr lang="en-US" dirty="0"/>
+              <a:t>Terminate service instance</a:t>
+            </a:r>
           </a:p>
         </p:txBody>
       </p:sp>
     </p:spTree>
     <p:extLst>
       <p:ext uri="{BB962C8B-B14F-4D97-AF65-F5344CB8AC3E}">
-        <p14:creationId xmlns:p14="http://schemas.microsoft.com/office/powerpoint/2010/main" val="401029098"/>
+        <p14:creationId xmlns:p14="http://schemas.microsoft.com/office/powerpoint/2010/main" val="748905296"/>
       </p:ext>
     </p:extLst>
   </p:cSld>
@@ -2921,247 +2817,7 @@
 </p:sld>
 </file>
 
-<file path=ppt/slides/slide6.xml><?xml version="1.0" encoding="utf-8"?>
-<p:sld xmlns:a="http://schemas.openxmlformats.org/drawingml/2006/main" xmlns:r="http://schemas.openxmlformats.org/officeDocument/2006/relationships" xmlns:p="http://schemas.openxmlformats.org/presentationml/2006/main">
-  <p:cSld>
-    <p:spTree>
-      <p:nvGrpSpPr>
-        <p:cNvPr id="1" name=""/>
-        <p:cNvGrpSpPr/>
-        <p:nvPr/>
-      </p:nvGrpSpPr>
-      <p:grpSpPr>
-        <a:xfrm>
-          <a:off x="0" y="0"/>
-          <a:ext cx="0" cy="0"/>
-          <a:chOff x="0" y="0"/>
-          <a:chExt cx="0" cy="0"/>
-        </a:xfrm>
-      </p:grpSpPr>
-      <p:sp>
-        <p:nvSpPr>
-          <p:cNvPr id="2" name="Title 1"/>
-          <p:cNvSpPr>
-            <a:spLocks noGrp="1"/>
-          </p:cNvSpPr>
-          <p:nvPr>
-            <p:ph type="ctrTitle"/>
-          </p:nvPr>
-        </p:nvSpPr>
-        <p:spPr/>
-        <p:txBody>
-          <a:bodyPr>
-            <a:normAutofit/>
-          </a:bodyPr>
-          <a:lstStyle/>
-          <a:p>
-            <a:r>
-              <a:rPr lang="en-US" dirty="0" smtClean="0"/>
-              <a:t>Step 3: Packaging</a:t>
-            </a:r>
-            <a:endParaRPr lang="en-US" dirty="0"/>
-          </a:p>
-        </p:txBody>
-      </p:sp>
-      <p:sp>
-        <p:nvSpPr>
-          <p:cNvPr id="3" name="Subtitle 2"/>
-          <p:cNvSpPr>
-            <a:spLocks noGrp="1"/>
-          </p:cNvSpPr>
-          <p:nvPr>
-            <p:ph type="subTitle" idx="1"/>
-          </p:nvPr>
-        </p:nvSpPr>
-        <p:spPr/>
-        <p:txBody>
-          <a:bodyPr>
-            <a:normAutofit/>
-          </a:bodyPr>
-          <a:lstStyle/>
-          <a:p>
-            <a:r>
-              <a:rPr lang="en-US" dirty="0" smtClean="0"/>
-              <a:t>In ETSI-compatible format with novel layering concept</a:t>
-            </a:r>
-            <a:endParaRPr lang="en-US" dirty="0"/>
-          </a:p>
-        </p:txBody>
-      </p:sp>
-    </p:spTree>
-    <p:extLst>
-      <p:ext uri="{BB962C8B-B14F-4D97-AF65-F5344CB8AC3E}">
-        <p14:creationId xmlns:p14="http://schemas.microsoft.com/office/powerpoint/2010/main" val="3934036987"/>
-      </p:ext>
-    </p:extLst>
-  </p:cSld>
-  <p:clrMapOvr>
-    <a:masterClrMapping/>
-  </p:clrMapOvr>
-</p:sld>
-</file>
-
-<file path=ppt/slides/slide7.xml><?xml version="1.0" encoding="utf-8"?>
-<p:sld xmlns:a="http://schemas.openxmlformats.org/drawingml/2006/main" xmlns:r="http://schemas.openxmlformats.org/officeDocument/2006/relationships" xmlns:p="http://schemas.openxmlformats.org/presentationml/2006/main">
-  <p:cSld>
-    <p:spTree>
-      <p:nvGrpSpPr>
-        <p:cNvPr id="1" name=""/>
-        <p:cNvGrpSpPr/>
-        <p:nvPr/>
-      </p:nvGrpSpPr>
-      <p:grpSpPr>
-        <a:xfrm>
-          <a:off x="0" y="0"/>
-          <a:ext cx="0" cy="0"/>
-          <a:chOff x="0" y="0"/>
-          <a:chExt cx="0" cy="0"/>
-        </a:xfrm>
-      </p:grpSpPr>
-      <p:sp>
-        <p:nvSpPr>
-          <p:cNvPr id="2" name="Title 1"/>
-          <p:cNvSpPr>
-            <a:spLocks noGrp="1"/>
-          </p:cNvSpPr>
-          <p:nvPr>
-            <p:ph type="ctrTitle"/>
-          </p:nvPr>
-        </p:nvSpPr>
-        <p:spPr/>
-        <p:txBody>
-          <a:bodyPr>
-            <a:noAutofit/>
-          </a:bodyPr>
-          <a:lstStyle/>
-          <a:p>
-            <a:r>
-              <a:rPr lang="en-US" sz="4400" dirty="0" smtClean="0"/>
-              <a:t>Step 4: On-boarding &amp; </a:t>
-            </a:r>
-            <a:r>
-              <a:rPr lang="en-US" sz="4400" dirty="0" err="1" smtClean="0"/>
-              <a:t>unpackaging</a:t>
-            </a:r>
-            <a:endParaRPr lang="en-US" sz="4400" dirty="0"/>
-          </a:p>
-        </p:txBody>
-      </p:sp>
-      <p:sp>
-        <p:nvSpPr>
-          <p:cNvPr id="3" name="Subtitle 2"/>
-          <p:cNvSpPr>
-            <a:spLocks noGrp="1"/>
-          </p:cNvSpPr>
-          <p:nvPr>
-            <p:ph type="subTitle" idx="1"/>
-          </p:nvPr>
-        </p:nvSpPr>
-        <p:spPr/>
-        <p:txBody>
-          <a:bodyPr/>
-          <a:lstStyle/>
-          <a:p>
-            <a:r>
-              <a:rPr lang="en-US" dirty="0" smtClean="0"/>
-              <a:t>To desired MANO platform (e.g., OSM or 5GTANGO)</a:t>
-            </a:r>
-            <a:endParaRPr lang="en-US" dirty="0"/>
-          </a:p>
-        </p:txBody>
-      </p:sp>
-    </p:spTree>
-    <p:extLst>
-      <p:ext uri="{BB962C8B-B14F-4D97-AF65-F5344CB8AC3E}">
-        <p14:creationId xmlns:p14="http://schemas.microsoft.com/office/powerpoint/2010/main" val="1803922355"/>
-      </p:ext>
-    </p:extLst>
-  </p:cSld>
-  <p:clrMapOvr>
-    <a:masterClrMapping/>
-  </p:clrMapOvr>
-</p:sld>
-</file>
-
-<file path=ppt/slides/slide8.xml><?xml version="1.0" encoding="utf-8"?>
-<p:sld xmlns:a="http://schemas.openxmlformats.org/drawingml/2006/main" xmlns:r="http://schemas.openxmlformats.org/officeDocument/2006/relationships" xmlns:p="http://schemas.openxmlformats.org/presentationml/2006/main">
-  <p:cSld>
-    <p:spTree>
-      <p:nvGrpSpPr>
-        <p:cNvPr id="1" name=""/>
-        <p:cNvGrpSpPr/>
-        <p:nvPr/>
-      </p:nvGrpSpPr>
-      <p:grpSpPr>
-        <a:xfrm>
-          <a:off x="0" y="0"/>
-          <a:ext cx="0" cy="0"/>
-          <a:chOff x="0" y="0"/>
-          <a:chExt cx="0" cy="0"/>
-        </a:xfrm>
-      </p:grpSpPr>
-      <p:sp>
-        <p:nvSpPr>
-          <p:cNvPr id="2" name="Title 1"/>
-          <p:cNvSpPr>
-            <a:spLocks noGrp="1"/>
-          </p:cNvSpPr>
-          <p:nvPr>
-            <p:ph type="ctrTitle"/>
-          </p:nvPr>
-        </p:nvSpPr>
-        <p:spPr/>
-        <p:txBody>
-          <a:bodyPr>
-            <a:noAutofit/>
-          </a:bodyPr>
-          <a:lstStyle/>
-          <a:p>
-            <a:r>
-              <a:rPr lang="en-US" sz="4400" dirty="0" smtClean="0"/>
-              <a:t>Step 5: Instantiation &amp; interaction</a:t>
-            </a:r>
-            <a:endParaRPr lang="en-US" sz="4400" dirty="0"/>
-          </a:p>
-        </p:txBody>
-      </p:sp>
-      <p:sp>
-        <p:nvSpPr>
-          <p:cNvPr id="3" name="Subtitle 2"/>
-          <p:cNvSpPr>
-            <a:spLocks noGrp="1"/>
-          </p:cNvSpPr>
-          <p:nvPr>
-            <p:ph type="subTitle" idx="1"/>
-          </p:nvPr>
-        </p:nvSpPr>
-        <p:spPr/>
-        <p:txBody>
-          <a:bodyPr/>
-          <a:lstStyle/>
-          <a:p>
-            <a:r>
-              <a:rPr lang="en-US" dirty="0" smtClean="0"/>
-              <a:t>CDN-like service with proxy, L4FW, and content server</a:t>
-            </a:r>
-            <a:endParaRPr lang="en-US" dirty="0"/>
-          </a:p>
-        </p:txBody>
-      </p:sp>
-    </p:spTree>
-    <p:extLst>
-      <p:ext uri="{BB962C8B-B14F-4D97-AF65-F5344CB8AC3E}">
-        <p14:creationId xmlns:p14="http://schemas.microsoft.com/office/powerpoint/2010/main" val="3957007337"/>
-      </p:ext>
-    </p:extLst>
-  </p:cSld>
-  <p:clrMapOvr>
-    <a:masterClrMapping/>
-  </p:clrMapOvr>
-</p:sld>
-</file>
-
-<file path=ppt/slides/slide9.xml><?xml version="1.0" encoding="utf-8"?>
+<file path=ppt/slides/slide14.xml><?xml version="1.0" encoding="utf-8"?>
 <p:sld xmlns:a="http://schemas.openxmlformats.org/drawingml/2006/main" xmlns:r="http://schemas.openxmlformats.org/officeDocument/2006/relationships" xmlns:p="http://schemas.openxmlformats.org/presentationml/2006/main">
   <p:cSld>
     <p:spTree>
@@ -3465,6 +3121,807 @@
     <p:extLst>
       <p:ext uri="{BB962C8B-B14F-4D97-AF65-F5344CB8AC3E}">
         <p14:creationId xmlns:p14="http://schemas.microsoft.com/office/powerpoint/2010/main" val="1093671320"/>
+      </p:ext>
+    </p:extLst>
+  </p:cSld>
+  <p:clrMapOvr>
+    <a:masterClrMapping/>
+  </p:clrMapOvr>
+</p:sld>
+</file>
+
+<file path=ppt/slides/slide2.xml><?xml version="1.0" encoding="utf-8"?>
+<p:sld xmlns:a="http://schemas.openxmlformats.org/drawingml/2006/main" xmlns:r="http://schemas.openxmlformats.org/officeDocument/2006/relationships" xmlns:p="http://schemas.openxmlformats.org/presentationml/2006/main">
+  <p:cSld>
+    <p:spTree>
+      <p:nvGrpSpPr>
+        <p:cNvPr id="1" name=""/>
+        <p:cNvGrpSpPr/>
+        <p:nvPr/>
+      </p:nvGrpSpPr>
+      <p:grpSpPr>
+        <a:xfrm>
+          <a:off x="0" y="0"/>
+          <a:ext cx="0" cy="0"/>
+          <a:chOff x="0" y="0"/>
+          <a:chExt cx="0" cy="0"/>
+        </a:xfrm>
+      </p:grpSpPr>
+      <p:sp>
+        <p:nvSpPr>
+          <p:cNvPr id="2" name="Content Placeholder 1"/>
+          <p:cNvSpPr>
+            <a:spLocks noGrp="1"/>
+          </p:cNvSpPr>
+          <p:nvPr>
+            <p:ph idx="1"/>
+          </p:nvPr>
+        </p:nvSpPr>
+        <p:spPr/>
+        <p:txBody>
+          <a:bodyPr>
+            <a:normAutofit/>
+          </a:bodyPr>
+          <a:lstStyle/>
+          <a:p>
+            <a:pPr>
+              <a:lnSpc>
+                <a:spcPct val="125000"/>
+              </a:lnSpc>
+            </a:pPr>
+            <a:r>
+              <a:rPr lang="en-US" dirty="0">
+                <a:solidFill>
+                  <a:srgbClr val="FF0000"/>
+                </a:solidFill>
+              </a:rPr>
+              <a:t>Live composition </a:t>
+            </a:r>
+            <a:r>
+              <a:rPr lang="en-US" dirty="0"/>
+              <a:t>of a demo service with </a:t>
+            </a:r>
+            <a:r>
+              <a:rPr lang="en-US" dirty="0">
+                <a:solidFill>
+                  <a:srgbClr val="FF0000"/>
+                </a:solidFill>
+              </a:rPr>
+              <a:t>three VNFs</a:t>
+            </a:r>
+          </a:p>
+          <a:p>
+            <a:pPr>
+              <a:lnSpc>
+                <a:spcPct val="125000"/>
+              </a:lnSpc>
+            </a:pPr>
+            <a:r>
+              <a:rPr lang="en-US" dirty="0"/>
+              <a:t>Graphical descriptor generation: NSD and VNFDs in </a:t>
+            </a:r>
+            <a:r>
+              <a:rPr lang="en-US" dirty="0">
+                <a:solidFill>
+                  <a:srgbClr val="FF0000"/>
+                </a:solidFill>
+              </a:rPr>
+              <a:t>multiple flavors</a:t>
+            </a:r>
+          </a:p>
+          <a:p>
+            <a:pPr>
+              <a:lnSpc>
+                <a:spcPct val="125000"/>
+              </a:lnSpc>
+            </a:pPr>
+            <a:r>
+              <a:rPr lang="en-US" dirty="0"/>
+              <a:t>Organization of NFV service projects with </a:t>
+            </a:r>
+            <a:r>
+              <a:rPr lang="en-US" dirty="0">
+                <a:solidFill>
+                  <a:srgbClr val="FF0000"/>
+                </a:solidFill>
+              </a:rPr>
+              <a:t>simple CLI</a:t>
+            </a:r>
+          </a:p>
+          <a:p>
+            <a:pPr>
+              <a:lnSpc>
+                <a:spcPct val="125000"/>
+              </a:lnSpc>
+            </a:pPr>
+            <a:r>
+              <a:rPr lang="en-US" dirty="0"/>
+              <a:t>Packaging in </a:t>
+            </a:r>
+            <a:r>
+              <a:rPr lang="en-US" dirty="0">
+                <a:solidFill>
+                  <a:srgbClr val="FF0000"/>
+                </a:solidFill>
+              </a:rPr>
+              <a:t>ETSI-compatible package format </a:t>
+            </a:r>
+            <a:r>
+              <a:rPr lang="en-US" dirty="0"/>
+              <a:t>with multi-platform support through </a:t>
+            </a:r>
+            <a:r>
+              <a:rPr lang="en-US" dirty="0">
+                <a:solidFill>
+                  <a:srgbClr val="FF0000"/>
+                </a:solidFill>
+              </a:rPr>
+              <a:t>novel layering concept</a:t>
+            </a:r>
+          </a:p>
+          <a:p>
+            <a:pPr>
+              <a:lnSpc>
+                <a:spcPct val="125000"/>
+              </a:lnSpc>
+            </a:pPr>
+            <a:r>
+              <a:rPr lang="en-US" dirty="0"/>
+              <a:t>On-boarding, </a:t>
+            </a:r>
+            <a:r>
+              <a:rPr lang="en-US" dirty="0" err="1"/>
+              <a:t>unpackaging</a:t>
+            </a:r>
+            <a:r>
+              <a:rPr lang="en-US" dirty="0"/>
+              <a:t>, and deployment</a:t>
+            </a:r>
+          </a:p>
+          <a:p>
+            <a:pPr>
+              <a:lnSpc>
+                <a:spcPct val="125000"/>
+              </a:lnSpc>
+            </a:pPr>
+            <a:r>
+              <a:rPr lang="en-US" dirty="0">
+                <a:solidFill>
+                  <a:srgbClr val="FF0000"/>
+                </a:solidFill>
+              </a:rPr>
+              <a:t>Live interaction </a:t>
+            </a:r>
+            <a:r>
+              <a:rPr lang="en-US" dirty="0"/>
+              <a:t>with running service</a:t>
+            </a:r>
+          </a:p>
+        </p:txBody>
+      </p:sp>
+      <p:sp>
+        <p:nvSpPr>
+          <p:cNvPr id="3" name="Title 2"/>
+          <p:cNvSpPr>
+            <a:spLocks noGrp="1"/>
+          </p:cNvSpPr>
+          <p:nvPr>
+            <p:ph type="title"/>
+          </p:nvPr>
+        </p:nvSpPr>
+        <p:spPr/>
+        <p:txBody>
+          <a:bodyPr/>
+          <a:lstStyle/>
+          <a:p>
+            <a:r>
+              <a:rPr lang="en-US" dirty="0"/>
+              <a:t>Highlights</a:t>
+            </a:r>
+          </a:p>
+        </p:txBody>
+      </p:sp>
+    </p:spTree>
+    <p:extLst>
+      <p:ext uri="{BB962C8B-B14F-4D97-AF65-F5344CB8AC3E}">
+        <p14:creationId xmlns:p14="http://schemas.microsoft.com/office/powerpoint/2010/main" val="306174002"/>
+      </p:ext>
+    </p:extLst>
+  </p:cSld>
+  <p:clrMapOvr>
+    <a:masterClrMapping/>
+  </p:clrMapOvr>
+</p:sld>
+</file>
+
+<file path=ppt/slides/slide3.xml><?xml version="1.0" encoding="utf-8"?>
+<p:sld xmlns:a="http://schemas.openxmlformats.org/drawingml/2006/main" xmlns:r="http://schemas.openxmlformats.org/officeDocument/2006/relationships" xmlns:p="http://schemas.openxmlformats.org/presentationml/2006/main">
+  <p:cSld>
+    <p:spTree>
+      <p:nvGrpSpPr>
+        <p:cNvPr id="1" name=""/>
+        <p:cNvGrpSpPr/>
+        <p:nvPr/>
+      </p:nvGrpSpPr>
+      <p:grpSpPr>
+        <a:xfrm>
+          <a:off x="0" y="0"/>
+          <a:ext cx="0" cy="0"/>
+          <a:chOff x="0" y="0"/>
+          <a:chExt cx="0" cy="0"/>
+        </a:xfrm>
+      </p:grpSpPr>
+      <p:pic>
+        <p:nvPicPr>
+          <p:cNvPr id="4" name="Content Placeholder 3"/>
+          <p:cNvPicPr>
+            <a:picLocks noGrp="1" noChangeAspect="1"/>
+          </p:cNvPicPr>
+          <p:nvPr>
+            <p:ph idx="1"/>
+          </p:nvPr>
+        </p:nvPicPr>
+        <p:blipFill>
+          <a:blip r:embed="rId2">
+            <a:extLst>
+              <a:ext uri="{28A0092B-C50C-407E-A947-70E740481C1C}">
+                <a14:useLocalDpi xmlns:a14="http://schemas.microsoft.com/office/drawing/2010/main" val="0"/>
+              </a:ext>
+            </a:extLst>
+          </a:blip>
+          <a:stretch>
+            <a:fillRect/>
+          </a:stretch>
+        </p:blipFill>
+        <p:spPr>
+          <a:xfrm>
+            <a:off x="198016" y="2346174"/>
+            <a:ext cx="11795968" cy="2423318"/>
+          </a:xfrm>
+        </p:spPr>
+      </p:pic>
+      <p:sp>
+        <p:nvSpPr>
+          <p:cNvPr id="3" name="Title 2"/>
+          <p:cNvSpPr>
+            <a:spLocks noGrp="1"/>
+          </p:cNvSpPr>
+          <p:nvPr>
+            <p:ph type="title"/>
+          </p:nvPr>
+        </p:nvSpPr>
+        <p:spPr/>
+        <p:txBody>
+          <a:bodyPr/>
+          <a:lstStyle/>
+          <a:p>
+            <a:r>
+              <a:rPr lang="en-US" dirty="0"/>
+              <a:t>End-to-end 5GTANGO SDK workflow</a:t>
+            </a:r>
+          </a:p>
+        </p:txBody>
+      </p:sp>
+    </p:spTree>
+    <p:extLst>
+      <p:ext uri="{BB962C8B-B14F-4D97-AF65-F5344CB8AC3E}">
+        <p14:creationId xmlns:p14="http://schemas.microsoft.com/office/powerpoint/2010/main" val="3091487119"/>
+      </p:ext>
+    </p:extLst>
+  </p:cSld>
+  <p:clrMapOvr>
+    <a:masterClrMapping/>
+  </p:clrMapOvr>
+</p:sld>
+</file>
+
+<file path=ppt/slides/slide4.xml><?xml version="1.0" encoding="utf-8"?>
+<p:sld xmlns:a="http://schemas.openxmlformats.org/drawingml/2006/main" xmlns:r="http://schemas.openxmlformats.org/officeDocument/2006/relationships" xmlns:p="http://schemas.openxmlformats.org/presentationml/2006/main">
+  <p:cSld>
+    <p:spTree>
+      <p:nvGrpSpPr>
+        <p:cNvPr id="1" name=""/>
+        <p:cNvGrpSpPr/>
+        <p:nvPr/>
+      </p:nvGrpSpPr>
+      <p:grpSpPr>
+        <a:xfrm>
+          <a:off x="0" y="0"/>
+          <a:ext cx="0" cy="0"/>
+          <a:chOff x="0" y="0"/>
+          <a:chExt cx="0" cy="0"/>
+        </a:xfrm>
+      </p:grpSpPr>
+      <p:pic>
+        <p:nvPicPr>
+          <p:cNvPr id="5" name="Content Placeholder 4">
+            <a:extLst>
+              <a:ext uri="{FF2B5EF4-FFF2-40B4-BE49-F238E27FC236}">
+                <a16:creationId xmlns:a16="http://schemas.microsoft.com/office/drawing/2014/main" id="{700B2FF0-BB98-7D4E-AB77-D24CB1636C87}"/>
+              </a:ext>
+            </a:extLst>
+          </p:cNvPr>
+          <p:cNvPicPr>
+            <a:picLocks noGrp="1" noChangeAspect="1"/>
+          </p:cNvPicPr>
+          <p:nvPr>
+            <p:ph idx="1"/>
+          </p:nvPr>
+        </p:nvPicPr>
+        <p:blipFill>
+          <a:blip r:embed="rId2"/>
+          <a:stretch>
+            <a:fillRect/>
+          </a:stretch>
+        </p:blipFill>
+        <p:spPr>
+          <a:xfrm>
+            <a:off x="851294" y="2150341"/>
+            <a:ext cx="10502506" cy="3100532"/>
+          </a:xfrm>
+        </p:spPr>
+      </p:pic>
+      <p:sp>
+        <p:nvSpPr>
+          <p:cNvPr id="3" name="Title 2">
+            <a:extLst>
+              <a:ext uri="{FF2B5EF4-FFF2-40B4-BE49-F238E27FC236}">
+                <a16:creationId xmlns:a16="http://schemas.microsoft.com/office/drawing/2014/main" id="{C0762B80-5E65-CA4D-9C9E-C6C177C3CB2E}"/>
+              </a:ext>
+            </a:extLst>
+          </p:cNvPr>
+          <p:cNvSpPr>
+            <a:spLocks noGrp="1"/>
+          </p:cNvSpPr>
+          <p:nvPr>
+            <p:ph type="title"/>
+          </p:nvPr>
+        </p:nvSpPr>
+        <p:spPr/>
+        <p:txBody>
+          <a:bodyPr/>
+          <a:lstStyle/>
+          <a:p>
+            <a:r>
+              <a:rPr lang="en-US" dirty="0"/>
+              <a:t>Created demo service (</a:t>
+            </a:r>
+            <a:r>
+              <a:rPr lang="en-US" dirty="0" err="1"/>
+              <a:t>vCDN</a:t>
+            </a:r>
+            <a:r>
+              <a:rPr lang="en-US" dirty="0"/>
+              <a:t> like)</a:t>
+            </a:r>
+          </a:p>
+        </p:txBody>
+      </p:sp>
+    </p:spTree>
+    <p:extLst>
+      <p:ext uri="{BB962C8B-B14F-4D97-AF65-F5344CB8AC3E}">
+        <p14:creationId xmlns:p14="http://schemas.microsoft.com/office/powerpoint/2010/main" val="3735758513"/>
+      </p:ext>
+    </p:extLst>
+  </p:cSld>
+  <p:clrMapOvr>
+    <a:masterClrMapping/>
+  </p:clrMapOvr>
+</p:sld>
+</file>
+
+<file path=ppt/slides/slide5.xml><?xml version="1.0" encoding="utf-8"?>
+<p:sld xmlns:a="http://schemas.openxmlformats.org/drawingml/2006/main" xmlns:r="http://schemas.openxmlformats.org/officeDocument/2006/relationships" xmlns:p="http://schemas.openxmlformats.org/presentationml/2006/main">
+  <p:cSld>
+    <p:spTree>
+      <p:nvGrpSpPr>
+        <p:cNvPr id="1" name=""/>
+        <p:cNvGrpSpPr/>
+        <p:nvPr/>
+      </p:nvGrpSpPr>
+      <p:grpSpPr>
+        <a:xfrm>
+          <a:off x="0" y="0"/>
+          <a:ext cx="0" cy="0"/>
+          <a:chOff x="0" y="0"/>
+          <a:chExt cx="0" cy="0"/>
+        </a:xfrm>
+      </p:grpSpPr>
+      <p:sp>
+        <p:nvSpPr>
+          <p:cNvPr id="2" name="Title 1"/>
+          <p:cNvSpPr>
+            <a:spLocks noGrp="1"/>
+          </p:cNvSpPr>
+          <p:nvPr>
+            <p:ph type="ctrTitle"/>
+          </p:nvPr>
+        </p:nvSpPr>
+        <p:spPr/>
+        <p:txBody>
+          <a:bodyPr>
+            <a:noAutofit/>
+          </a:bodyPr>
+          <a:lstStyle/>
+          <a:p>
+            <a:r>
+              <a:rPr lang="en-US" sz="8000" dirty="0"/>
+              <a:t>Demo</a:t>
+            </a:r>
+          </a:p>
+        </p:txBody>
+      </p:sp>
+      <p:sp>
+        <p:nvSpPr>
+          <p:cNvPr id="3" name="Subtitle 2"/>
+          <p:cNvSpPr>
+            <a:spLocks noGrp="1"/>
+          </p:cNvSpPr>
+          <p:nvPr>
+            <p:ph type="subTitle" idx="1"/>
+          </p:nvPr>
+        </p:nvSpPr>
+        <p:spPr/>
+        <p:txBody>
+          <a:bodyPr/>
+          <a:lstStyle/>
+          <a:p>
+            <a:endParaRPr lang="en-US" dirty="0"/>
+          </a:p>
+        </p:txBody>
+      </p:sp>
+    </p:spTree>
+    <p:extLst>
+      <p:ext uri="{BB962C8B-B14F-4D97-AF65-F5344CB8AC3E}">
+        <p14:creationId xmlns:p14="http://schemas.microsoft.com/office/powerpoint/2010/main" val="1676784421"/>
+      </p:ext>
+    </p:extLst>
+  </p:cSld>
+  <p:clrMapOvr>
+    <a:masterClrMapping/>
+  </p:clrMapOvr>
+</p:sld>
+</file>
+
+<file path=ppt/slides/slide6.xml><?xml version="1.0" encoding="utf-8"?>
+<p:sld xmlns:a="http://schemas.openxmlformats.org/drawingml/2006/main" xmlns:r="http://schemas.openxmlformats.org/officeDocument/2006/relationships" xmlns:p="http://schemas.openxmlformats.org/presentationml/2006/main">
+  <p:cSld>
+    <p:spTree>
+      <p:nvGrpSpPr>
+        <p:cNvPr id="1" name=""/>
+        <p:cNvGrpSpPr/>
+        <p:nvPr/>
+      </p:nvGrpSpPr>
+      <p:grpSpPr>
+        <a:xfrm>
+          <a:off x="0" y="0"/>
+          <a:ext cx="0" cy="0"/>
+          <a:chOff x="0" y="0"/>
+          <a:chExt cx="0" cy="0"/>
+        </a:xfrm>
+      </p:grpSpPr>
+      <p:sp>
+        <p:nvSpPr>
+          <p:cNvPr id="2" name="Title 1"/>
+          <p:cNvSpPr>
+            <a:spLocks noGrp="1"/>
+          </p:cNvSpPr>
+          <p:nvPr>
+            <p:ph type="ctrTitle"/>
+          </p:nvPr>
+        </p:nvSpPr>
+        <p:spPr/>
+        <p:txBody>
+          <a:bodyPr>
+            <a:noAutofit/>
+          </a:bodyPr>
+          <a:lstStyle/>
+          <a:p>
+            <a:r>
+              <a:rPr lang="en-US" sz="4000" dirty="0"/>
+              <a:t>Step 1: Graphical descriptor generation</a:t>
+            </a:r>
+          </a:p>
+        </p:txBody>
+      </p:sp>
+      <p:sp>
+        <p:nvSpPr>
+          <p:cNvPr id="3" name="Subtitle 2"/>
+          <p:cNvSpPr>
+            <a:spLocks noGrp="1"/>
+          </p:cNvSpPr>
+          <p:nvPr>
+            <p:ph type="subTitle" idx="1"/>
+          </p:nvPr>
+        </p:nvSpPr>
+        <p:spPr/>
+        <p:txBody>
+          <a:bodyPr/>
+          <a:lstStyle/>
+          <a:p>
+            <a:r>
+              <a:rPr lang="en-US" dirty="0"/>
+              <a:t>Generating NSD and VNFDs in different flavors</a:t>
+            </a:r>
+          </a:p>
+        </p:txBody>
+      </p:sp>
+    </p:spTree>
+    <p:extLst>
+      <p:ext uri="{BB962C8B-B14F-4D97-AF65-F5344CB8AC3E}">
+        <p14:creationId xmlns:p14="http://schemas.microsoft.com/office/powerpoint/2010/main" val="2390510324"/>
+      </p:ext>
+    </p:extLst>
+  </p:cSld>
+  <p:clrMapOvr>
+    <a:masterClrMapping/>
+  </p:clrMapOvr>
+</p:sld>
+</file>
+
+<file path=ppt/slides/slide7.xml><?xml version="1.0" encoding="utf-8"?>
+<p:sld xmlns:a="http://schemas.openxmlformats.org/drawingml/2006/main" xmlns:r="http://schemas.openxmlformats.org/officeDocument/2006/relationships" xmlns:p="http://schemas.openxmlformats.org/presentationml/2006/main">
+  <p:cSld>
+    <p:spTree>
+      <p:nvGrpSpPr>
+        <p:cNvPr id="1" name=""/>
+        <p:cNvGrpSpPr/>
+        <p:nvPr/>
+      </p:nvGrpSpPr>
+      <p:grpSpPr>
+        <a:xfrm>
+          <a:off x="0" y="0"/>
+          <a:ext cx="0" cy="0"/>
+          <a:chOff x="0" y="0"/>
+          <a:chExt cx="0" cy="0"/>
+        </a:xfrm>
+      </p:grpSpPr>
+      <p:sp>
+        <p:nvSpPr>
+          <p:cNvPr id="2" name="Title 1"/>
+          <p:cNvSpPr>
+            <a:spLocks noGrp="1"/>
+          </p:cNvSpPr>
+          <p:nvPr>
+            <p:ph type="ctrTitle"/>
+          </p:nvPr>
+        </p:nvSpPr>
+        <p:spPr/>
+        <p:txBody>
+          <a:bodyPr>
+            <a:normAutofit/>
+          </a:bodyPr>
+          <a:lstStyle/>
+          <a:p>
+            <a:r>
+              <a:rPr lang="en-US" dirty="0"/>
+              <a:t>Step 2: Project organization</a:t>
+            </a:r>
+          </a:p>
+        </p:txBody>
+      </p:sp>
+      <p:sp>
+        <p:nvSpPr>
+          <p:cNvPr id="3" name="Subtitle 2"/>
+          <p:cNvSpPr>
+            <a:spLocks noGrp="1"/>
+          </p:cNvSpPr>
+          <p:nvPr>
+            <p:ph type="subTitle" idx="1"/>
+          </p:nvPr>
+        </p:nvSpPr>
+        <p:spPr/>
+        <p:txBody>
+          <a:bodyPr/>
+          <a:lstStyle/>
+          <a:p>
+            <a:r>
+              <a:rPr lang="en-US" dirty="0"/>
+              <a:t>Checking the status of the generated 5GTANGO project</a:t>
+            </a:r>
+          </a:p>
+        </p:txBody>
+      </p:sp>
+    </p:spTree>
+    <p:extLst>
+      <p:ext uri="{BB962C8B-B14F-4D97-AF65-F5344CB8AC3E}">
+        <p14:creationId xmlns:p14="http://schemas.microsoft.com/office/powerpoint/2010/main" val="401029098"/>
+      </p:ext>
+    </p:extLst>
+  </p:cSld>
+  <p:clrMapOvr>
+    <a:masterClrMapping/>
+  </p:clrMapOvr>
+</p:sld>
+</file>
+
+<file path=ppt/slides/slide8.xml><?xml version="1.0" encoding="utf-8"?>
+<p:sld xmlns:a="http://schemas.openxmlformats.org/drawingml/2006/main" xmlns:r="http://schemas.openxmlformats.org/officeDocument/2006/relationships" xmlns:p="http://schemas.openxmlformats.org/presentationml/2006/main">
+  <p:cSld>
+    <p:spTree>
+      <p:nvGrpSpPr>
+        <p:cNvPr id="1" name=""/>
+        <p:cNvGrpSpPr/>
+        <p:nvPr/>
+      </p:nvGrpSpPr>
+      <p:grpSpPr>
+        <a:xfrm>
+          <a:off x="0" y="0"/>
+          <a:ext cx="0" cy="0"/>
+          <a:chOff x="0" y="0"/>
+          <a:chExt cx="0" cy="0"/>
+        </a:xfrm>
+      </p:grpSpPr>
+      <p:sp>
+        <p:nvSpPr>
+          <p:cNvPr id="2" name="Title 1"/>
+          <p:cNvSpPr>
+            <a:spLocks noGrp="1"/>
+          </p:cNvSpPr>
+          <p:nvPr>
+            <p:ph type="ctrTitle"/>
+          </p:nvPr>
+        </p:nvSpPr>
+        <p:spPr>
+          <a:xfrm>
+            <a:off x="385313" y="4735901"/>
+            <a:ext cx="8891422" cy="840087"/>
+          </a:xfrm>
+        </p:spPr>
+        <p:txBody>
+          <a:bodyPr>
+            <a:normAutofit fontScale="90000"/>
+          </a:bodyPr>
+          <a:lstStyle/>
+          <a:p>
+            <a:r>
+              <a:rPr lang="en-US" dirty="0"/>
+              <a:t>Step 3: Check OSM and vim-emu</a:t>
+            </a:r>
+          </a:p>
+        </p:txBody>
+      </p:sp>
+      <p:sp>
+        <p:nvSpPr>
+          <p:cNvPr id="3" name="Subtitle 2"/>
+          <p:cNvSpPr>
+            <a:spLocks noGrp="1"/>
+          </p:cNvSpPr>
+          <p:nvPr>
+            <p:ph type="subTitle" idx="1"/>
+          </p:nvPr>
+        </p:nvSpPr>
+        <p:spPr>
+          <a:xfrm>
+            <a:off x="385313" y="5687427"/>
+            <a:ext cx="9024158" cy="618481"/>
+          </a:xfrm>
+        </p:spPr>
+        <p:txBody>
+          <a:bodyPr>
+            <a:normAutofit fontScale="92500"/>
+          </a:bodyPr>
+          <a:lstStyle/>
+          <a:p>
+            <a:r>
+              <a:rPr lang="en-US" dirty="0"/>
+              <a:t>Check that OSM catalogs are empty and ready for on-boarding</a:t>
+            </a:r>
+          </a:p>
+        </p:txBody>
+      </p:sp>
+      <p:pic>
+        <p:nvPicPr>
+          <p:cNvPr id="4" name="Picture 3">
+            <a:extLst>
+              <a:ext uri="{FF2B5EF4-FFF2-40B4-BE49-F238E27FC236}">
+                <a16:creationId xmlns:a16="http://schemas.microsoft.com/office/drawing/2014/main" id="{3C0C967D-B452-F44D-95E1-827BE351799B}"/>
+              </a:ext>
+            </a:extLst>
+          </p:cNvPr>
+          <p:cNvPicPr>
+            <a:picLocks noChangeAspect="1"/>
+          </p:cNvPicPr>
+          <p:nvPr/>
+        </p:nvPicPr>
+        <p:blipFill>
+          <a:blip r:embed="rId2"/>
+          <a:stretch>
+            <a:fillRect/>
+          </a:stretch>
+        </p:blipFill>
+        <p:spPr>
+          <a:xfrm>
+            <a:off x="7577858" y="2938318"/>
+            <a:ext cx="4115377" cy="1425438"/>
+          </a:xfrm>
+          <a:prstGeom prst="rect">
+            <a:avLst/>
+          </a:prstGeom>
+        </p:spPr>
+      </p:pic>
+    </p:spTree>
+    <p:extLst>
+      <p:ext uri="{BB962C8B-B14F-4D97-AF65-F5344CB8AC3E}">
+        <p14:creationId xmlns:p14="http://schemas.microsoft.com/office/powerpoint/2010/main" val="2629306817"/>
+      </p:ext>
+    </p:extLst>
+  </p:cSld>
+  <p:clrMapOvr>
+    <a:masterClrMapping/>
+  </p:clrMapOvr>
+</p:sld>
+</file>
+
+<file path=ppt/slides/slide9.xml><?xml version="1.0" encoding="utf-8"?>
+<p:sld xmlns:a="http://schemas.openxmlformats.org/drawingml/2006/main" xmlns:r="http://schemas.openxmlformats.org/officeDocument/2006/relationships" xmlns:p="http://schemas.openxmlformats.org/presentationml/2006/main">
+  <p:cSld>
+    <p:spTree>
+      <p:nvGrpSpPr>
+        <p:cNvPr id="1" name=""/>
+        <p:cNvGrpSpPr/>
+        <p:nvPr/>
+      </p:nvGrpSpPr>
+      <p:grpSpPr>
+        <a:xfrm>
+          <a:off x="0" y="0"/>
+          <a:ext cx="0" cy="0"/>
+          <a:chOff x="0" y="0"/>
+          <a:chExt cx="0" cy="0"/>
+        </a:xfrm>
+      </p:grpSpPr>
+      <p:sp>
+        <p:nvSpPr>
+          <p:cNvPr id="2" name="Title 1"/>
+          <p:cNvSpPr>
+            <a:spLocks noGrp="1"/>
+          </p:cNvSpPr>
+          <p:nvPr>
+            <p:ph type="ctrTitle"/>
+          </p:nvPr>
+        </p:nvSpPr>
+        <p:spPr/>
+        <p:txBody>
+          <a:bodyPr>
+            <a:normAutofit/>
+          </a:bodyPr>
+          <a:lstStyle/>
+          <a:p>
+            <a:r>
+              <a:rPr lang="en-US" dirty="0"/>
+              <a:t>Step 4: Packaging</a:t>
+            </a:r>
+          </a:p>
+        </p:txBody>
+      </p:sp>
+      <p:sp>
+        <p:nvSpPr>
+          <p:cNvPr id="3" name="Subtitle 2"/>
+          <p:cNvSpPr>
+            <a:spLocks noGrp="1"/>
+          </p:cNvSpPr>
+          <p:nvPr>
+            <p:ph type="subTitle" idx="1"/>
+          </p:nvPr>
+        </p:nvSpPr>
+        <p:spPr/>
+        <p:txBody>
+          <a:bodyPr>
+            <a:normAutofit/>
+          </a:bodyPr>
+          <a:lstStyle/>
+          <a:p>
+            <a:r>
+              <a:rPr lang="en-US" dirty="0"/>
+              <a:t>Create ETSI SOL004 compatible NS package</a:t>
+            </a:r>
+          </a:p>
+        </p:txBody>
+      </p:sp>
+    </p:spTree>
+    <p:extLst>
+      <p:ext uri="{BB962C8B-B14F-4D97-AF65-F5344CB8AC3E}">
+        <p14:creationId xmlns:p14="http://schemas.microsoft.com/office/powerpoint/2010/main" val="3934036987"/>
       </p:ext>
     </p:extLst>
   </p:cSld>
